--- a/RPG企画案.pptx
+++ b/RPG企画案.pptx
@@ -6,6 +6,7 @@
   </p:sldMasterIdLst>
   <p:sldIdLst>
     <p:sldId id="256" r:id="rId2"/>
+    <p:sldId id="257" r:id="rId3"/>
   </p:sldIdLst>
   <p:sldSz cx="12192000" cy="6858000"/>
   <p:notesSz cx="6858000" cy="9144000"/>
@@ -104,6 +105,11 @@
       </a:defRPr>
     </a:lvl9pPr>
   </p:defaultTextStyle>
+  <p:extLst>
+    <p:ext uri="{EFAFB233-063F-42B5-8137-9DF3F51BA10A}">
+      <p15:sldGuideLst xmlns:p15="http://schemas.microsoft.com/office/powerpoint/2012/main"/>
+    </p:ext>
+  </p:extLst>
 </p:presentation>
 </file>
 
@@ -254,7 +260,7 @@
           <a:p>
             <a:fld id="{DBC11F8A-66D6-464D-ADFE-2C0DE1628700}" type="datetimeFigureOut">
               <a:rPr kumimoji="1" lang="ja-JP" altLang="en-US" smtClean="0"/>
-              <a:t>2020/8/23</a:t>
+              <a:t>2020/10/16</a:t>
             </a:fld>
             <a:endParaRPr kumimoji="1" lang="ja-JP" altLang="en-US"/>
           </a:p>
@@ -484,7 +490,7 @@
           <a:p>
             <a:fld id="{DBC11F8A-66D6-464D-ADFE-2C0DE1628700}" type="datetimeFigureOut">
               <a:rPr kumimoji="1" lang="ja-JP" altLang="en-US" smtClean="0"/>
-              <a:t>2020/8/23</a:t>
+              <a:t>2020/10/16</a:t>
             </a:fld>
             <a:endParaRPr kumimoji="1" lang="ja-JP" altLang="en-US"/>
           </a:p>
@@ -724,7 +730,7 @@
           <a:p>
             <a:fld id="{DBC11F8A-66D6-464D-ADFE-2C0DE1628700}" type="datetimeFigureOut">
               <a:rPr kumimoji="1" lang="ja-JP" altLang="en-US" smtClean="0"/>
-              <a:t>2020/8/23</a:t>
+              <a:t>2020/10/16</a:t>
             </a:fld>
             <a:endParaRPr kumimoji="1" lang="ja-JP" altLang="en-US"/>
           </a:p>
@@ -954,7 +960,7 @@
           <a:p>
             <a:fld id="{DBC11F8A-66D6-464D-ADFE-2C0DE1628700}" type="datetimeFigureOut">
               <a:rPr kumimoji="1" lang="ja-JP" altLang="en-US" smtClean="0"/>
-              <a:t>2020/8/23</a:t>
+              <a:t>2020/10/16</a:t>
             </a:fld>
             <a:endParaRPr kumimoji="1" lang="ja-JP" altLang="en-US"/>
           </a:p>
@@ -1229,7 +1235,7 @@
           <a:p>
             <a:fld id="{DBC11F8A-66D6-464D-ADFE-2C0DE1628700}" type="datetimeFigureOut">
               <a:rPr kumimoji="1" lang="ja-JP" altLang="en-US" smtClean="0"/>
-              <a:t>2020/8/23</a:t>
+              <a:t>2020/10/16</a:t>
             </a:fld>
             <a:endParaRPr kumimoji="1" lang="ja-JP" altLang="en-US"/>
           </a:p>
@@ -1558,7 +1564,7 @@
           <a:p>
             <a:fld id="{DBC11F8A-66D6-464D-ADFE-2C0DE1628700}" type="datetimeFigureOut">
               <a:rPr kumimoji="1" lang="ja-JP" altLang="en-US" smtClean="0"/>
-              <a:t>2020/8/23</a:t>
+              <a:t>2020/10/16</a:t>
             </a:fld>
             <a:endParaRPr kumimoji="1" lang="ja-JP" altLang="en-US"/>
           </a:p>
@@ -2034,7 +2040,7 @@
           <a:p>
             <a:fld id="{DBC11F8A-66D6-464D-ADFE-2C0DE1628700}" type="datetimeFigureOut">
               <a:rPr kumimoji="1" lang="ja-JP" altLang="en-US" smtClean="0"/>
-              <a:t>2020/8/23</a:t>
+              <a:t>2020/10/16</a:t>
             </a:fld>
             <a:endParaRPr kumimoji="1" lang="ja-JP" altLang="en-US"/>
           </a:p>
@@ -2175,7 +2181,7 @@
           <a:p>
             <a:fld id="{DBC11F8A-66D6-464D-ADFE-2C0DE1628700}" type="datetimeFigureOut">
               <a:rPr kumimoji="1" lang="ja-JP" altLang="en-US" smtClean="0"/>
-              <a:t>2020/8/23</a:t>
+              <a:t>2020/10/16</a:t>
             </a:fld>
             <a:endParaRPr kumimoji="1" lang="ja-JP" altLang="en-US"/>
           </a:p>
@@ -2288,7 +2294,7 @@
           <a:p>
             <a:fld id="{DBC11F8A-66D6-464D-ADFE-2C0DE1628700}" type="datetimeFigureOut">
               <a:rPr kumimoji="1" lang="ja-JP" altLang="en-US" smtClean="0"/>
-              <a:t>2020/8/23</a:t>
+              <a:t>2020/10/16</a:t>
             </a:fld>
             <a:endParaRPr kumimoji="1" lang="ja-JP" altLang="en-US"/>
           </a:p>
@@ -2631,7 +2637,7 @@
           <a:p>
             <a:fld id="{DBC11F8A-66D6-464D-ADFE-2C0DE1628700}" type="datetimeFigureOut">
               <a:rPr kumimoji="1" lang="ja-JP" altLang="en-US" smtClean="0"/>
-              <a:t>2020/8/23</a:t>
+              <a:t>2020/10/16</a:t>
             </a:fld>
             <a:endParaRPr kumimoji="1" lang="ja-JP" altLang="en-US"/>
           </a:p>
@@ -2919,7 +2925,7 @@
           <a:p>
             <a:fld id="{DBC11F8A-66D6-464D-ADFE-2C0DE1628700}" type="datetimeFigureOut">
               <a:rPr kumimoji="1" lang="ja-JP" altLang="en-US" smtClean="0"/>
-              <a:t>2020/8/23</a:t>
+              <a:t>2020/10/16</a:t>
             </a:fld>
             <a:endParaRPr kumimoji="1" lang="ja-JP" altLang="en-US"/>
           </a:p>
@@ -3192,7 +3198,7 @@
           <a:p>
             <a:fld id="{DBC11F8A-66D6-464D-ADFE-2C0DE1628700}" type="datetimeFigureOut">
               <a:rPr kumimoji="1" lang="ja-JP" altLang="en-US" smtClean="0"/>
-              <a:t>2020/8/23</a:t>
+              <a:t>2020/10/16</a:t>
             </a:fld>
             <a:endParaRPr kumimoji="1" lang="ja-JP" altLang="en-US"/>
           </a:p>
@@ -3628,13 +3634,17 @@
         <p:spPr>
           <a:xfrm>
             <a:off x="19454" y="0"/>
-            <a:ext cx="4143984" cy="1147864"/>
+            <a:ext cx="8569376" cy="1147864"/>
           </a:xfrm>
         </p:spPr>
         <p:txBody>
           <a:bodyPr/>
           <a:lstStyle/>
           <a:p>
+            <a:r>
+              <a:rPr kumimoji="1" lang="ja-JP" altLang="en-US" dirty="0"/>
+              <a:t>ローグライク</a:t>
+            </a:r>
             <a:r>
               <a:rPr kumimoji="1" lang="en-US" altLang="ja-JP" dirty="0"/>
               <a:t>RPG</a:t>
@@ -3737,6 +3747,129 @@
     <p:extLst>
       <p:ext uri="{BB962C8B-B14F-4D97-AF65-F5344CB8AC3E}">
         <p14:creationId xmlns:p14="http://schemas.microsoft.com/office/powerpoint/2010/main" val="3687871669"/>
+      </p:ext>
+    </p:extLst>
+  </p:cSld>
+  <p:clrMapOvr>
+    <a:masterClrMapping/>
+  </p:clrMapOvr>
+</p:sld>
+</file>
+
+<file path=ppt/slides/slide2.xml><?xml version="1.0" encoding="utf-8"?>
+<p:sld xmlns:a="http://schemas.openxmlformats.org/drawingml/2006/main" xmlns:r="http://schemas.openxmlformats.org/officeDocument/2006/relationships" xmlns:p="http://schemas.openxmlformats.org/presentationml/2006/main">
+  <p:cSld>
+    <p:spTree>
+      <p:nvGrpSpPr>
+        <p:cNvPr id="1" name=""/>
+        <p:cNvGrpSpPr/>
+        <p:nvPr/>
+      </p:nvGrpSpPr>
+      <p:grpSpPr>
+        <a:xfrm>
+          <a:off x="0" y="0"/>
+          <a:ext cx="0" cy="0"/>
+          <a:chOff x="0" y="0"/>
+          <a:chExt cx="0" cy="0"/>
+        </a:xfrm>
+      </p:grpSpPr>
+      <p:sp>
+        <p:nvSpPr>
+          <p:cNvPr id="2" name="タイトル 1">
+            <a:extLst>
+              <a:ext uri="{FF2B5EF4-FFF2-40B4-BE49-F238E27FC236}">
+                <a16:creationId xmlns:a16="http://schemas.microsoft.com/office/drawing/2014/main" id="{0379A560-30C1-43F6-A48B-4ACEE472A9FA}"/>
+              </a:ext>
+            </a:extLst>
+          </p:cNvPr>
+          <p:cNvSpPr>
+            <a:spLocks noGrp="1"/>
+          </p:cNvSpPr>
+          <p:nvPr>
+            <p:ph type="title"/>
+          </p:nvPr>
+        </p:nvSpPr>
+        <p:spPr/>
+        <p:txBody>
+          <a:bodyPr/>
+          <a:lstStyle/>
+          <a:p>
+            <a:r>
+              <a:rPr kumimoji="1" lang="en-US" altLang="ja-JP" dirty="0" err="1"/>
+              <a:t>SoulLinker</a:t>
+            </a:r>
+            <a:r>
+              <a:rPr lang="en-US" altLang="ja-JP" dirty="0"/>
+              <a:t> Project</a:t>
+            </a:r>
+            <a:endParaRPr kumimoji="1" lang="ja-JP" altLang="en-US" dirty="0"/>
+          </a:p>
+        </p:txBody>
+      </p:sp>
+      <p:sp>
+        <p:nvSpPr>
+          <p:cNvPr id="3" name="コンテンツ プレースホルダー 2">
+            <a:extLst>
+              <a:ext uri="{FF2B5EF4-FFF2-40B4-BE49-F238E27FC236}">
+                <a16:creationId xmlns:a16="http://schemas.microsoft.com/office/drawing/2014/main" id="{A5F6FB8D-B3FD-4C4B-A63D-EF0EBFA140B5}"/>
+              </a:ext>
+            </a:extLst>
+          </p:cNvPr>
+          <p:cNvSpPr>
+            <a:spLocks noGrp="1"/>
+          </p:cNvSpPr>
+          <p:nvPr>
+            <p:ph idx="1"/>
+          </p:nvPr>
+        </p:nvSpPr>
+        <p:spPr/>
+        <p:txBody>
+          <a:bodyPr/>
+          <a:lstStyle/>
+          <a:p>
+            <a:r>
+              <a:rPr kumimoji="1" lang="ja-JP" altLang="en-US" dirty="0"/>
+              <a:t>バトルシステム案</a:t>
+            </a:r>
+            <a:endParaRPr kumimoji="1" lang="en-US" altLang="ja-JP" dirty="0"/>
+          </a:p>
+          <a:p>
+            <a:r>
+              <a:rPr lang="ja-JP" altLang="en-US" dirty="0"/>
+              <a:t>街マップ案＆ダンジョン案</a:t>
+            </a:r>
+            <a:endParaRPr lang="en-US" altLang="ja-JP" dirty="0"/>
+          </a:p>
+          <a:p>
+            <a:r>
+              <a:rPr kumimoji="1" lang="ja-JP" altLang="en-US" dirty="0"/>
+              <a:t>世界観案</a:t>
+            </a:r>
+            <a:endParaRPr kumimoji="1" lang="en-US" altLang="ja-JP" dirty="0"/>
+          </a:p>
+          <a:p>
+            <a:r>
+              <a:rPr lang="ja-JP" altLang="en-US" dirty="0"/>
+              <a:t>スキル＆ツリー</a:t>
+            </a:r>
+            <a:endParaRPr lang="en-US" altLang="ja-JP" dirty="0"/>
+          </a:p>
+          <a:p>
+            <a:r>
+              <a:rPr kumimoji="1" lang="ja-JP" altLang="en-US" dirty="0"/>
+              <a:t>装備＆アイテム</a:t>
+            </a:r>
+            <a:endParaRPr kumimoji="1" lang="en-US" altLang="ja-JP" dirty="0"/>
+          </a:p>
+          <a:p>
+            <a:endParaRPr kumimoji="1" lang="en-US" altLang="ja-JP" dirty="0"/>
+          </a:p>
+        </p:txBody>
+      </p:sp>
+    </p:spTree>
+    <p:extLst>
+      <p:ext uri="{BB962C8B-B14F-4D97-AF65-F5344CB8AC3E}">
+        <p14:creationId xmlns:p14="http://schemas.microsoft.com/office/powerpoint/2010/main" val="145120142"/>
       </p:ext>
     </p:extLst>
   </p:cSld>

--- a/RPG企画案.pptx
+++ b/RPG企画案.pptx
@@ -7,6 +7,7 @@
   <p:sldIdLst>
     <p:sldId id="256" r:id="rId2"/>
     <p:sldId id="257" r:id="rId3"/>
+    <p:sldId id="258" r:id="rId4"/>
   </p:sldIdLst>
   <p:sldSz cx="12192000" cy="6858000"/>
   <p:notesSz cx="6858000" cy="9144000"/>
@@ -260,7 +261,7 @@
           <a:p>
             <a:fld id="{DBC11F8A-66D6-464D-ADFE-2C0DE1628700}" type="datetimeFigureOut">
               <a:rPr kumimoji="1" lang="ja-JP" altLang="en-US" smtClean="0"/>
-              <a:t>2020/10/16</a:t>
+              <a:t>2020/10/22</a:t>
             </a:fld>
             <a:endParaRPr kumimoji="1" lang="ja-JP" altLang="en-US"/>
           </a:p>
@@ -490,7 +491,7 @@
           <a:p>
             <a:fld id="{DBC11F8A-66D6-464D-ADFE-2C0DE1628700}" type="datetimeFigureOut">
               <a:rPr kumimoji="1" lang="ja-JP" altLang="en-US" smtClean="0"/>
-              <a:t>2020/10/16</a:t>
+              <a:t>2020/10/22</a:t>
             </a:fld>
             <a:endParaRPr kumimoji="1" lang="ja-JP" altLang="en-US"/>
           </a:p>
@@ -730,7 +731,7 @@
           <a:p>
             <a:fld id="{DBC11F8A-66D6-464D-ADFE-2C0DE1628700}" type="datetimeFigureOut">
               <a:rPr kumimoji="1" lang="ja-JP" altLang="en-US" smtClean="0"/>
-              <a:t>2020/10/16</a:t>
+              <a:t>2020/10/22</a:t>
             </a:fld>
             <a:endParaRPr kumimoji="1" lang="ja-JP" altLang="en-US"/>
           </a:p>
@@ -960,7 +961,7 @@
           <a:p>
             <a:fld id="{DBC11F8A-66D6-464D-ADFE-2C0DE1628700}" type="datetimeFigureOut">
               <a:rPr kumimoji="1" lang="ja-JP" altLang="en-US" smtClean="0"/>
-              <a:t>2020/10/16</a:t>
+              <a:t>2020/10/22</a:t>
             </a:fld>
             <a:endParaRPr kumimoji="1" lang="ja-JP" altLang="en-US"/>
           </a:p>
@@ -1235,7 +1236,7 @@
           <a:p>
             <a:fld id="{DBC11F8A-66D6-464D-ADFE-2C0DE1628700}" type="datetimeFigureOut">
               <a:rPr kumimoji="1" lang="ja-JP" altLang="en-US" smtClean="0"/>
-              <a:t>2020/10/16</a:t>
+              <a:t>2020/10/22</a:t>
             </a:fld>
             <a:endParaRPr kumimoji="1" lang="ja-JP" altLang="en-US"/>
           </a:p>
@@ -1564,7 +1565,7 @@
           <a:p>
             <a:fld id="{DBC11F8A-66D6-464D-ADFE-2C0DE1628700}" type="datetimeFigureOut">
               <a:rPr kumimoji="1" lang="ja-JP" altLang="en-US" smtClean="0"/>
-              <a:t>2020/10/16</a:t>
+              <a:t>2020/10/22</a:t>
             </a:fld>
             <a:endParaRPr kumimoji="1" lang="ja-JP" altLang="en-US"/>
           </a:p>
@@ -2040,7 +2041,7 @@
           <a:p>
             <a:fld id="{DBC11F8A-66D6-464D-ADFE-2C0DE1628700}" type="datetimeFigureOut">
               <a:rPr kumimoji="1" lang="ja-JP" altLang="en-US" smtClean="0"/>
-              <a:t>2020/10/16</a:t>
+              <a:t>2020/10/22</a:t>
             </a:fld>
             <a:endParaRPr kumimoji="1" lang="ja-JP" altLang="en-US"/>
           </a:p>
@@ -2181,7 +2182,7 @@
           <a:p>
             <a:fld id="{DBC11F8A-66D6-464D-ADFE-2C0DE1628700}" type="datetimeFigureOut">
               <a:rPr kumimoji="1" lang="ja-JP" altLang="en-US" smtClean="0"/>
-              <a:t>2020/10/16</a:t>
+              <a:t>2020/10/22</a:t>
             </a:fld>
             <a:endParaRPr kumimoji="1" lang="ja-JP" altLang="en-US"/>
           </a:p>
@@ -2294,7 +2295,7 @@
           <a:p>
             <a:fld id="{DBC11F8A-66D6-464D-ADFE-2C0DE1628700}" type="datetimeFigureOut">
               <a:rPr kumimoji="1" lang="ja-JP" altLang="en-US" smtClean="0"/>
-              <a:t>2020/10/16</a:t>
+              <a:t>2020/10/22</a:t>
             </a:fld>
             <a:endParaRPr kumimoji="1" lang="ja-JP" altLang="en-US"/>
           </a:p>
@@ -2637,7 +2638,7 @@
           <a:p>
             <a:fld id="{DBC11F8A-66D6-464D-ADFE-2C0DE1628700}" type="datetimeFigureOut">
               <a:rPr kumimoji="1" lang="ja-JP" altLang="en-US" smtClean="0"/>
-              <a:t>2020/10/16</a:t>
+              <a:t>2020/10/22</a:t>
             </a:fld>
             <a:endParaRPr kumimoji="1" lang="ja-JP" altLang="en-US"/>
           </a:p>
@@ -2925,7 +2926,7 @@
           <a:p>
             <a:fld id="{DBC11F8A-66D6-464D-ADFE-2C0DE1628700}" type="datetimeFigureOut">
               <a:rPr kumimoji="1" lang="ja-JP" altLang="en-US" smtClean="0"/>
-              <a:t>2020/10/16</a:t>
+              <a:t>2020/10/22</a:t>
             </a:fld>
             <a:endParaRPr kumimoji="1" lang="ja-JP" altLang="en-US"/>
           </a:p>
@@ -3198,7 +3199,7 @@
           <a:p>
             <a:fld id="{DBC11F8A-66D6-464D-ADFE-2C0DE1628700}" type="datetimeFigureOut">
               <a:rPr kumimoji="1" lang="ja-JP" altLang="en-US" smtClean="0"/>
-              <a:t>2020/10/16</a:t>
+              <a:t>2020/10/22</a:t>
             </a:fld>
             <a:endParaRPr kumimoji="1" lang="ja-JP" altLang="en-US"/>
           </a:p>
@@ -3879,6 +3880,89 @@
 </p:sld>
 </file>
 
+<file path=ppt/slides/slide3.xml><?xml version="1.0" encoding="utf-8"?>
+<p:sld xmlns:a="http://schemas.openxmlformats.org/drawingml/2006/main" xmlns:r="http://schemas.openxmlformats.org/officeDocument/2006/relationships" xmlns:p="http://schemas.openxmlformats.org/presentationml/2006/main">
+  <p:cSld>
+    <p:spTree>
+      <p:nvGrpSpPr>
+        <p:cNvPr id="1" name=""/>
+        <p:cNvGrpSpPr/>
+        <p:nvPr/>
+      </p:nvGrpSpPr>
+      <p:grpSpPr>
+        <a:xfrm>
+          <a:off x="0" y="0"/>
+          <a:ext cx="0" cy="0"/>
+          <a:chOff x="0" y="0"/>
+          <a:chExt cx="0" cy="0"/>
+        </a:xfrm>
+      </p:grpSpPr>
+      <p:sp>
+        <p:nvSpPr>
+          <p:cNvPr id="2" name="タイトル 1">
+            <a:extLst>
+              <a:ext uri="{FF2B5EF4-FFF2-40B4-BE49-F238E27FC236}">
+                <a16:creationId xmlns:a16="http://schemas.microsoft.com/office/drawing/2014/main" id="{F446FDDD-78B4-45A3-B085-35825D59D92E}"/>
+              </a:ext>
+            </a:extLst>
+          </p:cNvPr>
+          <p:cNvSpPr>
+            <a:spLocks noGrp="1"/>
+          </p:cNvSpPr>
+          <p:nvPr>
+            <p:ph type="title"/>
+          </p:nvPr>
+        </p:nvSpPr>
+        <p:spPr/>
+        <p:txBody>
+          <a:bodyPr/>
+          <a:lstStyle/>
+          <a:p>
+            <a:r>
+              <a:rPr kumimoji="1" lang="ja-JP" altLang="en-US"/>
+              <a:t>バトルシステム案</a:t>
+            </a:r>
+          </a:p>
+        </p:txBody>
+      </p:sp>
+      <p:sp>
+        <p:nvSpPr>
+          <p:cNvPr id="3" name="コンテンツ プレースホルダー 2">
+            <a:extLst>
+              <a:ext uri="{FF2B5EF4-FFF2-40B4-BE49-F238E27FC236}">
+                <a16:creationId xmlns:a16="http://schemas.microsoft.com/office/drawing/2014/main" id="{311A6C65-1C42-496D-94C0-AAE845775643}"/>
+              </a:ext>
+            </a:extLst>
+          </p:cNvPr>
+          <p:cNvSpPr>
+            <a:spLocks noGrp="1"/>
+          </p:cNvSpPr>
+          <p:nvPr>
+            <p:ph idx="1"/>
+          </p:nvPr>
+        </p:nvSpPr>
+        <p:spPr/>
+        <p:txBody>
+          <a:bodyPr/>
+          <a:lstStyle/>
+          <a:p>
+            <a:endParaRPr kumimoji="1" lang="ja-JP" altLang="en-US"/>
+          </a:p>
+        </p:txBody>
+      </p:sp>
+    </p:spTree>
+    <p:extLst>
+      <p:ext uri="{BB962C8B-B14F-4D97-AF65-F5344CB8AC3E}">
+        <p14:creationId xmlns:p14="http://schemas.microsoft.com/office/powerpoint/2010/main" val="1249912100"/>
+      </p:ext>
+    </p:extLst>
+  </p:cSld>
+  <p:clrMapOvr>
+    <a:masterClrMapping/>
+  </p:clrMapOvr>
+</p:sld>
+</file>
+
 <file path=ppt/theme/theme1.xml><?xml version="1.0" encoding="utf-8"?>
 <a:theme xmlns:a="http://schemas.openxmlformats.org/drawingml/2006/main" name="Office テーマ">
   <a:themeElements>

--- a/RPG企画案.pptx
+++ b/RPG企画案.pptx
@@ -6,7 +6,7 @@
   </p:sldMasterIdLst>
   <p:sldIdLst>
     <p:sldId id="256" r:id="rId2"/>
-    <p:sldId id="257" r:id="rId3"/>
+    <p:sldId id="259" r:id="rId3"/>
     <p:sldId id="258" r:id="rId4"/>
   </p:sldIdLst>
   <p:sldSz cx="12192000" cy="6858000"/>
@@ -261,7 +261,7 @@
           <a:p>
             <a:fld id="{DBC11F8A-66D6-464D-ADFE-2C0DE1628700}" type="datetimeFigureOut">
               <a:rPr kumimoji="1" lang="ja-JP" altLang="en-US" smtClean="0"/>
-              <a:t>2020/10/22</a:t>
+              <a:t>2021/2/12</a:t>
             </a:fld>
             <a:endParaRPr kumimoji="1" lang="ja-JP" altLang="en-US"/>
           </a:p>
@@ -491,7 +491,7 @@
           <a:p>
             <a:fld id="{DBC11F8A-66D6-464D-ADFE-2C0DE1628700}" type="datetimeFigureOut">
               <a:rPr kumimoji="1" lang="ja-JP" altLang="en-US" smtClean="0"/>
-              <a:t>2020/10/22</a:t>
+              <a:t>2021/2/12</a:t>
             </a:fld>
             <a:endParaRPr kumimoji="1" lang="ja-JP" altLang="en-US"/>
           </a:p>
@@ -731,7 +731,7 @@
           <a:p>
             <a:fld id="{DBC11F8A-66D6-464D-ADFE-2C0DE1628700}" type="datetimeFigureOut">
               <a:rPr kumimoji="1" lang="ja-JP" altLang="en-US" smtClean="0"/>
-              <a:t>2020/10/22</a:t>
+              <a:t>2021/2/12</a:t>
             </a:fld>
             <a:endParaRPr kumimoji="1" lang="ja-JP" altLang="en-US"/>
           </a:p>
@@ -961,7 +961,7 @@
           <a:p>
             <a:fld id="{DBC11F8A-66D6-464D-ADFE-2C0DE1628700}" type="datetimeFigureOut">
               <a:rPr kumimoji="1" lang="ja-JP" altLang="en-US" smtClean="0"/>
-              <a:t>2020/10/22</a:t>
+              <a:t>2021/2/12</a:t>
             </a:fld>
             <a:endParaRPr kumimoji="1" lang="ja-JP" altLang="en-US"/>
           </a:p>
@@ -1236,7 +1236,7 @@
           <a:p>
             <a:fld id="{DBC11F8A-66D6-464D-ADFE-2C0DE1628700}" type="datetimeFigureOut">
               <a:rPr kumimoji="1" lang="ja-JP" altLang="en-US" smtClean="0"/>
-              <a:t>2020/10/22</a:t>
+              <a:t>2021/2/12</a:t>
             </a:fld>
             <a:endParaRPr kumimoji="1" lang="ja-JP" altLang="en-US"/>
           </a:p>
@@ -1565,7 +1565,7 @@
           <a:p>
             <a:fld id="{DBC11F8A-66D6-464D-ADFE-2C0DE1628700}" type="datetimeFigureOut">
               <a:rPr kumimoji="1" lang="ja-JP" altLang="en-US" smtClean="0"/>
-              <a:t>2020/10/22</a:t>
+              <a:t>2021/2/12</a:t>
             </a:fld>
             <a:endParaRPr kumimoji="1" lang="ja-JP" altLang="en-US"/>
           </a:p>
@@ -2041,7 +2041,7 @@
           <a:p>
             <a:fld id="{DBC11F8A-66D6-464D-ADFE-2C0DE1628700}" type="datetimeFigureOut">
               <a:rPr kumimoji="1" lang="ja-JP" altLang="en-US" smtClean="0"/>
-              <a:t>2020/10/22</a:t>
+              <a:t>2021/2/12</a:t>
             </a:fld>
             <a:endParaRPr kumimoji="1" lang="ja-JP" altLang="en-US"/>
           </a:p>
@@ -2182,7 +2182,7 @@
           <a:p>
             <a:fld id="{DBC11F8A-66D6-464D-ADFE-2C0DE1628700}" type="datetimeFigureOut">
               <a:rPr kumimoji="1" lang="ja-JP" altLang="en-US" smtClean="0"/>
-              <a:t>2020/10/22</a:t>
+              <a:t>2021/2/12</a:t>
             </a:fld>
             <a:endParaRPr kumimoji="1" lang="ja-JP" altLang="en-US"/>
           </a:p>
@@ -2295,7 +2295,7 @@
           <a:p>
             <a:fld id="{DBC11F8A-66D6-464D-ADFE-2C0DE1628700}" type="datetimeFigureOut">
               <a:rPr kumimoji="1" lang="ja-JP" altLang="en-US" smtClean="0"/>
-              <a:t>2020/10/22</a:t>
+              <a:t>2021/2/12</a:t>
             </a:fld>
             <a:endParaRPr kumimoji="1" lang="ja-JP" altLang="en-US"/>
           </a:p>
@@ -2638,7 +2638,7 @@
           <a:p>
             <a:fld id="{DBC11F8A-66D6-464D-ADFE-2C0DE1628700}" type="datetimeFigureOut">
               <a:rPr kumimoji="1" lang="ja-JP" altLang="en-US" smtClean="0"/>
-              <a:t>2020/10/22</a:t>
+              <a:t>2021/2/12</a:t>
             </a:fld>
             <a:endParaRPr kumimoji="1" lang="ja-JP" altLang="en-US"/>
           </a:p>
@@ -2926,7 +2926,7 @@
           <a:p>
             <a:fld id="{DBC11F8A-66D6-464D-ADFE-2C0DE1628700}" type="datetimeFigureOut">
               <a:rPr kumimoji="1" lang="ja-JP" altLang="en-US" smtClean="0"/>
-              <a:t>2020/10/22</a:t>
+              <a:t>2021/2/12</a:t>
             </a:fld>
             <a:endParaRPr kumimoji="1" lang="ja-JP" altLang="en-US"/>
           </a:p>
@@ -3199,7 +3199,7 @@
           <a:p>
             <a:fld id="{DBC11F8A-66D6-464D-ADFE-2C0DE1628700}" type="datetimeFigureOut">
               <a:rPr kumimoji="1" lang="ja-JP" altLang="en-US" smtClean="0"/>
-              <a:t>2020/10/22</a:t>
+              <a:t>2021/2/12</a:t>
             </a:fld>
             <a:endParaRPr kumimoji="1" lang="ja-JP" altLang="en-US"/>
           </a:p>
@@ -3694,21 +3694,7 @@
           <a:p>
             <a:r>
               <a:rPr lang="ja-JP" altLang="en-US" dirty="0"/>
-              <a:t>一年次に作成したブロック崩しを流用したバトルシステム</a:t>
-            </a:r>
-            <a:endParaRPr lang="en-US" altLang="ja-JP" dirty="0"/>
-          </a:p>
-          <a:p>
-            <a:r>
-              <a:rPr kumimoji="1" lang="ja-JP" altLang="en-US" dirty="0"/>
-              <a:t>敵はシールドを張る　攻撃でシールドを壊す</a:t>
-            </a:r>
-            <a:endParaRPr kumimoji="1" lang="en-US" altLang="ja-JP" dirty="0"/>
-          </a:p>
-          <a:p>
-            <a:r>
-              <a:rPr lang="ja-JP" altLang="en-US" dirty="0"/>
-              <a:t>三人の役職　ブレイカー　アタック　エントウィー（絡め手）</a:t>
+              <a:t>三人の役職　ブレイカー　アタック</a:t>
             </a:r>
             <a:endParaRPr kumimoji="1" lang="en-US" altLang="ja-JP" dirty="0"/>
           </a:p>
@@ -3779,7 +3765,7 @@
           <p:cNvPr id="2" name="タイトル 1">
             <a:extLst>
               <a:ext uri="{FF2B5EF4-FFF2-40B4-BE49-F238E27FC236}">
-                <a16:creationId xmlns:a16="http://schemas.microsoft.com/office/drawing/2014/main" id="{0379A560-30C1-43F6-A48B-4ACEE472A9FA}"/>
+                <a16:creationId xmlns:a16="http://schemas.microsoft.com/office/drawing/2014/main" id="{32BAF03B-F54A-4209-8D58-99269471BDCB}"/>
               </a:ext>
             </a:extLst>
           </p:cNvPr>
@@ -3796,81 +3782,70 @@
           <a:lstStyle/>
           <a:p>
             <a:r>
-              <a:rPr kumimoji="1" lang="en-US" altLang="ja-JP" dirty="0" err="1"/>
-              <a:t>SoulLinker</a:t>
-            </a:r>
-            <a:r>
-              <a:rPr lang="en-US" altLang="ja-JP" dirty="0"/>
-              <a:t> Project</a:t>
-            </a:r>
+              <a:rPr kumimoji="1" lang="ja-JP" altLang="en-US" dirty="0"/>
+              <a:t>世界観</a:t>
+            </a:r>
+          </a:p>
+        </p:txBody>
+      </p:sp>
+      <p:sp>
+        <p:nvSpPr>
+          <p:cNvPr id="3" name="コンテンツ プレースホルダー 2">
+            <a:extLst>
+              <a:ext uri="{FF2B5EF4-FFF2-40B4-BE49-F238E27FC236}">
+                <a16:creationId xmlns:a16="http://schemas.microsoft.com/office/drawing/2014/main" id="{AAADA6DF-ACA6-4D84-8BBB-447855DA19AF}"/>
+              </a:ext>
+            </a:extLst>
+          </p:cNvPr>
+          <p:cNvSpPr>
+            <a:spLocks noGrp="1"/>
+          </p:cNvSpPr>
+          <p:nvPr>
+            <p:ph idx="1"/>
+          </p:nvPr>
+        </p:nvSpPr>
+        <p:spPr/>
+        <p:txBody>
+          <a:bodyPr/>
+          <a:lstStyle/>
+          <a:p>
+            <a:pPr marL="0" indent="0">
+              <a:buNone/>
+            </a:pPr>
+            <a:r>
+              <a:rPr kumimoji="1" lang="ja-JP" altLang="en-US" dirty="0"/>
+              <a:t>ソウルリンク　魂に接続して潜在能力を開花させる能力</a:t>
+            </a:r>
+            <a:endParaRPr kumimoji="1" lang="en-US" altLang="ja-JP" dirty="0"/>
+          </a:p>
+          <a:p>
+            <a:pPr marL="0" indent="0">
+              <a:buNone/>
+            </a:pPr>
+            <a:r>
+              <a:rPr lang="ja-JP" altLang="en-US" dirty="0"/>
+              <a:t>リンカー　　　洗剤能力を開花させた人間の総称</a:t>
+            </a:r>
+            <a:endParaRPr lang="en-US" altLang="ja-JP" dirty="0"/>
+          </a:p>
+          <a:p>
+            <a:pPr marL="0" indent="0">
+              <a:buNone/>
+            </a:pPr>
+            <a:endParaRPr kumimoji="1" lang="en-US" altLang="ja-JP" dirty="0"/>
+          </a:p>
+          <a:p>
+            <a:pPr marL="0" indent="0">
+              <a:buNone/>
+            </a:pPr>
             <a:endParaRPr kumimoji="1" lang="ja-JP" altLang="en-US" dirty="0"/>
-          </a:p>
-        </p:txBody>
-      </p:sp>
-      <p:sp>
-        <p:nvSpPr>
-          <p:cNvPr id="3" name="コンテンツ プレースホルダー 2">
-            <a:extLst>
-              <a:ext uri="{FF2B5EF4-FFF2-40B4-BE49-F238E27FC236}">
-                <a16:creationId xmlns:a16="http://schemas.microsoft.com/office/drawing/2014/main" id="{A5F6FB8D-B3FD-4C4B-A63D-EF0EBFA140B5}"/>
-              </a:ext>
-            </a:extLst>
-          </p:cNvPr>
-          <p:cNvSpPr>
-            <a:spLocks noGrp="1"/>
-          </p:cNvSpPr>
-          <p:nvPr>
-            <p:ph idx="1"/>
-          </p:nvPr>
-        </p:nvSpPr>
-        <p:spPr/>
-        <p:txBody>
-          <a:bodyPr/>
-          <a:lstStyle/>
-          <a:p>
-            <a:r>
-              <a:rPr kumimoji="1" lang="ja-JP" altLang="en-US" dirty="0"/>
-              <a:t>バトルシステム案</a:t>
-            </a:r>
-            <a:endParaRPr kumimoji="1" lang="en-US" altLang="ja-JP" dirty="0"/>
-          </a:p>
-          <a:p>
-            <a:r>
-              <a:rPr lang="ja-JP" altLang="en-US" dirty="0"/>
-              <a:t>街マップ案＆ダンジョン案</a:t>
-            </a:r>
-            <a:endParaRPr lang="en-US" altLang="ja-JP" dirty="0"/>
-          </a:p>
-          <a:p>
-            <a:r>
-              <a:rPr kumimoji="1" lang="ja-JP" altLang="en-US" dirty="0"/>
-              <a:t>世界観案</a:t>
-            </a:r>
-            <a:endParaRPr kumimoji="1" lang="en-US" altLang="ja-JP" dirty="0"/>
-          </a:p>
-          <a:p>
-            <a:r>
-              <a:rPr lang="ja-JP" altLang="en-US" dirty="0"/>
-              <a:t>スキル＆ツリー</a:t>
-            </a:r>
-            <a:endParaRPr lang="en-US" altLang="ja-JP" dirty="0"/>
-          </a:p>
-          <a:p>
-            <a:r>
-              <a:rPr kumimoji="1" lang="ja-JP" altLang="en-US" dirty="0"/>
-              <a:t>装備＆アイテム</a:t>
-            </a:r>
-            <a:endParaRPr kumimoji="1" lang="en-US" altLang="ja-JP" dirty="0"/>
-          </a:p>
-          <a:p>
-            <a:endParaRPr kumimoji="1" lang="en-US" altLang="ja-JP" dirty="0"/>
           </a:p>
         </p:txBody>
       </p:sp>
     </p:spTree>
     <p:extLst>
       <p:ext uri="{BB962C8B-B14F-4D97-AF65-F5344CB8AC3E}">
-        <p14:creationId xmlns:p14="http://schemas.microsoft.com/office/powerpoint/2010/main" val="145120142"/>
+        <p14:creationId xmlns:p14="http://schemas.microsoft.com/office/powerpoint/2010/main" val="1637362173"/>
       </p:ext>
     </p:extLst>
   </p:cSld>
@@ -3919,7 +3894,7 @@
           <a:lstStyle/>
           <a:p>
             <a:r>
-              <a:rPr kumimoji="1" lang="ja-JP" altLang="en-US"/>
+              <a:rPr kumimoji="1" lang="ja-JP" altLang="en-US" dirty="0"/>
               <a:t>バトルシステム案</a:t>
             </a:r>
           </a:p>
@@ -3946,7 +3921,7 @@
           <a:bodyPr/>
           <a:lstStyle/>
           <a:p>
-            <a:endParaRPr kumimoji="1" lang="ja-JP" altLang="en-US"/>
+            <a:endParaRPr kumimoji="1" lang="ja-JP" altLang="en-US" dirty="0"/>
           </a:p>
         </p:txBody>
       </p:sp>
